--- a/GameDev.pptx
+++ b/GameDev.pptx
@@ -12,13 +12,16 @@
     <p:sldId id="257" r:id="rId6"/>
     <p:sldId id="261" r:id="rId7"/>
     <p:sldId id="259" r:id="rId8"/>
-    <p:sldId id="260" r:id="rId9"/>
-    <p:sldId id="264" r:id="rId10"/>
-    <p:sldId id="265" r:id="rId11"/>
-    <p:sldId id="266" r:id="rId12"/>
-    <p:sldId id="267" r:id="rId13"/>
-    <p:sldId id="268" r:id="rId14"/>
+    <p:sldId id="264" r:id="rId9"/>
+    <p:sldId id="260" r:id="rId10"/>
+    <p:sldId id="268" r:id="rId11"/>
+    <p:sldId id="265" r:id="rId12"/>
+    <p:sldId id="266" r:id="rId13"/>
+    <p:sldId id="267" r:id="rId14"/>
     <p:sldId id="269" r:id="rId15"/>
+    <p:sldId id="270" r:id="rId16"/>
+    <p:sldId id="271" r:id="rId17"/>
+    <p:sldId id="272" r:id="rId18"/>
   </p:sldIdLst>
   <p:sldSz cx="12192000" cy="6858000"/>
   <p:notesSz cx="6858000" cy="9144000"/>
@@ -272,7 +275,7 @@
           <a:p>
             <a:fld id="{25D99740-3088-4619-BE4E-8CDF459F4EE8}" type="datetimeFigureOut">
               <a:rPr lang="ru-RU" smtClean="0"/>
-              <a:t>05.10.2019</a:t>
+              <a:t>21.10.2019</a:t>
             </a:fld>
             <a:endParaRPr lang="ru-RU"/>
           </a:p>
@@ -470,7 +473,7 @@
           <a:p>
             <a:fld id="{25D99740-3088-4619-BE4E-8CDF459F4EE8}" type="datetimeFigureOut">
               <a:rPr lang="ru-RU" smtClean="0"/>
-              <a:t>05.10.2019</a:t>
+              <a:t>21.10.2019</a:t>
             </a:fld>
             <a:endParaRPr lang="ru-RU"/>
           </a:p>
@@ -678,7 +681,7 @@
           <a:p>
             <a:fld id="{25D99740-3088-4619-BE4E-8CDF459F4EE8}" type="datetimeFigureOut">
               <a:rPr lang="ru-RU" smtClean="0"/>
-              <a:t>05.10.2019</a:t>
+              <a:t>21.10.2019</a:t>
             </a:fld>
             <a:endParaRPr lang="ru-RU"/>
           </a:p>
@@ -876,7 +879,7 @@
           <a:p>
             <a:fld id="{25D99740-3088-4619-BE4E-8CDF459F4EE8}" type="datetimeFigureOut">
               <a:rPr lang="ru-RU" smtClean="0"/>
-              <a:t>05.10.2019</a:t>
+              <a:t>21.10.2019</a:t>
             </a:fld>
             <a:endParaRPr lang="ru-RU"/>
           </a:p>
@@ -1151,7 +1154,7 @@
           <a:p>
             <a:fld id="{25D99740-3088-4619-BE4E-8CDF459F4EE8}" type="datetimeFigureOut">
               <a:rPr lang="ru-RU" smtClean="0"/>
-              <a:t>05.10.2019</a:t>
+              <a:t>21.10.2019</a:t>
             </a:fld>
             <a:endParaRPr lang="ru-RU"/>
           </a:p>
@@ -1416,7 +1419,7 @@
           <a:p>
             <a:fld id="{25D99740-3088-4619-BE4E-8CDF459F4EE8}" type="datetimeFigureOut">
               <a:rPr lang="ru-RU" smtClean="0"/>
-              <a:t>05.10.2019</a:t>
+              <a:t>21.10.2019</a:t>
             </a:fld>
             <a:endParaRPr lang="ru-RU"/>
           </a:p>
@@ -1828,7 +1831,7 @@
           <a:p>
             <a:fld id="{25D99740-3088-4619-BE4E-8CDF459F4EE8}" type="datetimeFigureOut">
               <a:rPr lang="ru-RU" smtClean="0"/>
-              <a:t>05.10.2019</a:t>
+              <a:t>21.10.2019</a:t>
             </a:fld>
             <a:endParaRPr lang="ru-RU"/>
           </a:p>
@@ -1969,7 +1972,7 @@
           <a:p>
             <a:fld id="{25D99740-3088-4619-BE4E-8CDF459F4EE8}" type="datetimeFigureOut">
               <a:rPr lang="ru-RU" smtClean="0"/>
-              <a:t>05.10.2019</a:t>
+              <a:t>21.10.2019</a:t>
             </a:fld>
             <a:endParaRPr lang="ru-RU"/>
           </a:p>
@@ -2082,7 +2085,7 @@
           <a:p>
             <a:fld id="{25D99740-3088-4619-BE4E-8CDF459F4EE8}" type="datetimeFigureOut">
               <a:rPr lang="ru-RU" smtClean="0"/>
-              <a:t>05.10.2019</a:t>
+              <a:t>21.10.2019</a:t>
             </a:fld>
             <a:endParaRPr lang="ru-RU"/>
           </a:p>
@@ -2393,7 +2396,7 @@
           <a:p>
             <a:fld id="{25D99740-3088-4619-BE4E-8CDF459F4EE8}" type="datetimeFigureOut">
               <a:rPr lang="ru-RU" smtClean="0"/>
-              <a:t>05.10.2019</a:t>
+              <a:t>21.10.2019</a:t>
             </a:fld>
             <a:endParaRPr lang="ru-RU"/>
           </a:p>
@@ -2681,7 +2684,7 @@
           <a:p>
             <a:fld id="{25D99740-3088-4619-BE4E-8CDF459F4EE8}" type="datetimeFigureOut">
               <a:rPr lang="ru-RU" smtClean="0"/>
-              <a:t>05.10.2019</a:t>
+              <a:t>21.10.2019</a:t>
             </a:fld>
             <a:endParaRPr lang="ru-RU"/>
           </a:p>
@@ -2922,7 +2925,7 @@
           <a:p>
             <a:fld id="{25D99740-3088-4619-BE4E-8CDF459F4EE8}" type="datetimeFigureOut">
               <a:rPr lang="ru-RU" smtClean="0"/>
-              <a:t>05.10.2019</a:t>
+              <a:t>21.10.2019</a:t>
             </a:fld>
             <a:endParaRPr lang="ru-RU"/>
           </a:p>
@@ -3435,7 +3438,7 @@
           <p:cNvPr id="2" name="Заголовок 1">
             <a:extLst>
               <a:ext uri="{FF2B5EF4-FFF2-40B4-BE49-F238E27FC236}">
-                <a16:creationId xmlns:a16="http://schemas.microsoft.com/office/drawing/2014/main" id="{01CCBA14-D77E-4521-97F5-A6D80A2AE58E}"/>
+                <a16:creationId xmlns:a16="http://schemas.microsoft.com/office/drawing/2014/main" id="{F46CA4C2-D705-4253-AB77-C2FAE0790AAF}"/>
               </a:ext>
             </a:extLst>
           </p:cNvPr>
@@ -3453,7 +3456,7 @@
           <a:p>
             <a:r>
               <a:rPr lang="ru-RU" dirty="0"/>
-              <a:t>Процедурно-генерируемые уровни</a:t>
+              <a:t>Сражения</a:t>
             </a:r>
           </a:p>
         </p:txBody>
@@ -3463,7 +3466,7 @@
           <p:cNvPr id="3" name="Объект 2">
             <a:extLst>
               <a:ext uri="{FF2B5EF4-FFF2-40B4-BE49-F238E27FC236}">
-                <a16:creationId xmlns:a16="http://schemas.microsoft.com/office/drawing/2014/main" id="{9562620D-1D2C-4303-879B-0C5E48877305}"/>
+                <a16:creationId xmlns:a16="http://schemas.microsoft.com/office/drawing/2014/main" id="{04A3D2C7-3C21-4C35-8C13-E3CAC01A4E72}"/>
               </a:ext>
             </a:extLst>
           </p:cNvPr>
@@ -3491,21 +3494,23 @@
             <a:pPr fontAlgn="base"/>
             <a:r>
               <a:rPr lang="ru-RU" dirty="0"/>
-              <a:t>Генерация общего ландшафта в виде не связных областей</a:t>
+              <a:t>Написан концепт</a:t>
+            </a:r>
+          </a:p>
+          <a:p>
+            <a:pPr marL="0" indent="0">
+              <a:buNone/>
+            </a:pPr>
+            <a:r>
+              <a:rPr lang="ru-RU" dirty="0"/>
+              <a:t>Планируется:</a:t>
             </a:r>
           </a:p>
           <a:p>
             <a:pPr fontAlgn="base"/>
             <a:r>
               <a:rPr lang="ru-RU" dirty="0"/>
-              <a:t>Добавление коридоров между областями для получения целостной области</a:t>
-            </a:r>
-          </a:p>
-          <a:p>
-            <a:pPr fontAlgn="base"/>
-            <a:r>
-              <a:rPr lang="ru-RU" dirty="0"/>
-              <a:t>Определение старта/финиша</a:t>
+              <a:t>Доработка и реализация концепта</a:t>
             </a:r>
           </a:p>
           <a:p>
@@ -3516,7 +3521,7 @@
     </p:spTree>
     <p:extLst>
       <p:ext uri="{BB962C8B-B14F-4D97-AF65-F5344CB8AC3E}">
-        <p14:creationId xmlns:p14="http://schemas.microsoft.com/office/powerpoint/2010/main" val="2503086732"/>
+        <p14:creationId xmlns:p14="http://schemas.microsoft.com/office/powerpoint/2010/main" val="137759405"/>
       </p:ext>
     </p:extLst>
   </p:cSld>
@@ -3548,7 +3553,7 @@
           <p:cNvPr id="2" name="Заголовок 1">
             <a:extLst>
               <a:ext uri="{FF2B5EF4-FFF2-40B4-BE49-F238E27FC236}">
-                <a16:creationId xmlns:a16="http://schemas.microsoft.com/office/drawing/2014/main" id="{FBC94EF4-CAE5-4098-BC90-1654B6D7F0CD}"/>
+                <a16:creationId xmlns:a16="http://schemas.microsoft.com/office/drawing/2014/main" id="{01CCBA14-D77E-4521-97F5-A6D80A2AE58E}"/>
               </a:ext>
             </a:extLst>
           </p:cNvPr>
@@ -3565,16 +3570,8 @@
           <a:lstStyle/>
           <a:p>
             <a:r>
-              <a:rPr lang="en-US" dirty="0" err="1"/>
-              <a:t>GoL</a:t>
-            </a:r>
-            <a:r>
-              <a:rPr lang="en-US" dirty="0"/>
-              <a:t> - </a:t>
-            </a:r>
-            <a:r>
-              <a:rPr lang="ru-RU" dirty="0"/>
-              <a:t>Динамические препятствия</a:t>
+              <a:rPr lang="ru-RU" dirty="0"/>
+              <a:t>Процедурно-генерируемые уровни</a:t>
             </a:r>
           </a:p>
         </p:txBody>
@@ -3584,7 +3581,7 @@
           <p:cNvPr id="3" name="Объект 2">
             <a:extLst>
               <a:ext uri="{FF2B5EF4-FFF2-40B4-BE49-F238E27FC236}">
-                <a16:creationId xmlns:a16="http://schemas.microsoft.com/office/drawing/2014/main" id="{CFF59EA1-C0FB-492D-ABBC-86614673AE81}"/>
+                <a16:creationId xmlns:a16="http://schemas.microsoft.com/office/drawing/2014/main" id="{9562620D-1D2C-4303-879B-0C5E48877305}"/>
               </a:ext>
             </a:extLst>
           </p:cNvPr>
@@ -3597,9 +3594,7 @@
         </p:nvSpPr>
         <p:spPr/>
         <p:txBody>
-          <a:bodyPr>
-            <a:normAutofit fontScale="92500" lnSpcReduction="10000"/>
-          </a:bodyPr>
+          <a:bodyPr/>
           <a:lstStyle/>
           <a:p>
             <a:pPr marL="0" indent="0">
@@ -3614,60 +3609,21 @@
             <a:pPr fontAlgn="base"/>
             <a:r>
               <a:rPr lang="ru-RU" dirty="0"/>
-              <a:t>Полный функционал модели </a:t>
-            </a:r>
-            <a:r>
-              <a:rPr lang="ru-RU" dirty="0" err="1"/>
-              <a:t>GoL</a:t>
-            </a:r>
-            <a:r>
-              <a:rPr lang="ru-RU" dirty="0"/>
-              <a:t> с правилами, задаваемыми как параметры</a:t>
+              <a:t>Генерация общего ландшафта в виде не связных областей</a:t>
             </a:r>
           </a:p>
           <a:p>
             <a:pPr fontAlgn="base"/>
             <a:r>
               <a:rPr lang="ru-RU" dirty="0"/>
-              <a:t>Хранение и вставка паттернов</a:t>
-            </a:r>
-          </a:p>
-          <a:p>
-            <a:pPr marL="0" indent="0">
-              <a:buNone/>
-            </a:pPr>
-            <a:r>
-              <a:rPr lang="ru-RU" dirty="0"/>
-              <a:t>Планируется:</a:t>
+              <a:t>Добавление коридоров между областями для получения целостной области</a:t>
             </a:r>
           </a:p>
           <a:p>
             <a:pPr fontAlgn="base"/>
             <a:r>
               <a:rPr lang="ru-RU" dirty="0"/>
-              <a:t>Классификация и структурированное хранение паттернов, их анализ и комбинация</a:t>
-            </a:r>
-          </a:p>
-          <a:p>
-            <a:pPr fontAlgn="base"/>
-            <a:r>
-              <a:rPr lang="ru-RU" dirty="0"/>
-              <a:t>Автоматический поиск паттернов и практичных начальных конфигураций </a:t>
-            </a:r>
-            <a:r>
-              <a:rPr lang="ru-RU" dirty="0" err="1"/>
-              <a:t>GoL</a:t>
-            </a:r>
-            <a:r>
-              <a:rPr lang="ru-RU" dirty="0"/>
-              <a:t> для полученных на первом этапе генерации ландшафтов</a:t>
-            </a:r>
-          </a:p>
-          <a:p>
-            <a:pPr fontAlgn="base"/>
-            <a:r>
-              <a:rPr lang="ru-RU" dirty="0"/>
-              <a:t>Автоматический анализ разрешимости уровня</a:t>
+              <a:t>Определение старта/финиша</a:t>
             </a:r>
           </a:p>
           <a:p>
@@ -3678,7 +3634,7 @@
     </p:spTree>
     <p:extLst>
       <p:ext uri="{BB962C8B-B14F-4D97-AF65-F5344CB8AC3E}">
-        <p14:creationId xmlns:p14="http://schemas.microsoft.com/office/powerpoint/2010/main" val="3490534851"/>
+        <p14:creationId xmlns:p14="http://schemas.microsoft.com/office/powerpoint/2010/main" val="2503086732"/>
       </p:ext>
     </p:extLst>
   </p:cSld>
@@ -3710,7 +3666,7 @@
           <p:cNvPr id="2" name="Заголовок 1">
             <a:extLst>
               <a:ext uri="{FF2B5EF4-FFF2-40B4-BE49-F238E27FC236}">
-                <a16:creationId xmlns:a16="http://schemas.microsoft.com/office/drawing/2014/main" id="{F5BA06FC-CA37-422B-AC86-DD1ADD750802}"/>
+                <a16:creationId xmlns:a16="http://schemas.microsoft.com/office/drawing/2014/main" id="{FBC94EF4-CAE5-4098-BC90-1654B6D7F0CD}"/>
               </a:ext>
             </a:extLst>
           </p:cNvPr>
@@ -3727,8 +3683,16 @@
           <a:lstStyle/>
           <a:p>
             <a:r>
-              <a:rPr lang="ru-RU" dirty="0"/>
-              <a:t>Действия игрового персонажа на уровне</a:t>
+              <a:rPr lang="en-US" dirty="0" err="1"/>
+              <a:t>GoL</a:t>
+            </a:r>
+            <a:r>
+              <a:rPr lang="en-US" dirty="0"/>
+              <a:t> - </a:t>
+            </a:r>
+            <a:r>
+              <a:rPr lang="ru-RU" dirty="0"/>
+              <a:t>Динамические препятствия</a:t>
             </a:r>
           </a:p>
         </p:txBody>
@@ -3738,7 +3702,7 @@
           <p:cNvPr id="3" name="Объект 2">
             <a:extLst>
               <a:ext uri="{FF2B5EF4-FFF2-40B4-BE49-F238E27FC236}">
-                <a16:creationId xmlns:a16="http://schemas.microsoft.com/office/drawing/2014/main" id="{EDF6BF5D-96DC-4BDC-AEEC-7F0D52A55FE3}"/>
+                <a16:creationId xmlns:a16="http://schemas.microsoft.com/office/drawing/2014/main" id="{CFF59EA1-C0FB-492D-ABBC-86614673AE81}"/>
               </a:ext>
             </a:extLst>
           </p:cNvPr>
@@ -3752,7 +3716,7 @@
         <p:spPr/>
         <p:txBody>
           <a:bodyPr>
-            <a:normAutofit fontScale="85000" lnSpcReduction="20000"/>
+            <a:normAutofit fontScale="92500" lnSpcReduction="10000"/>
           </a:bodyPr>
           <a:lstStyle/>
           <a:p>
@@ -3768,86 +3732,61 @@
             <a:pPr fontAlgn="base"/>
             <a:r>
               <a:rPr lang="ru-RU" dirty="0"/>
-              <a:t>Система пошаговой игры</a:t>
-            </a:r>
-          </a:p>
-          <a:p>
-            <a:pPr fontAlgn="base"/>
-            <a:r>
-              <a:rPr lang="ru-RU" dirty="0"/>
-              <a:t>Передвижение по полю</a:t>
-            </a:r>
-          </a:p>
-          <a:p>
-            <a:pPr fontAlgn="base"/>
-            <a:r>
-              <a:rPr lang="ru-RU" dirty="0"/>
-              <a:t>Подбираемые предметы</a:t>
-            </a:r>
-          </a:p>
-          <a:p>
-            <a:pPr marL="0" indent="0">
-              <a:buNone/>
-            </a:pPr>
-            <a:r>
-              <a:rPr lang="ru-RU" dirty="0"/>
-              <a:t>Планируется:</a:t>
-            </a:r>
-          </a:p>
-          <a:p>
-            <a:pPr fontAlgn="base"/>
-            <a:r>
-              <a:rPr lang="ru-RU" dirty="0"/>
-              <a:t>Расстановка предметов и </a:t>
-            </a:r>
-            <a:r>
-              <a:rPr lang="ru-RU" dirty="0" err="1"/>
-              <a:t>тайлов</a:t>
-            </a:r>
-            <a:r>
-              <a:rPr lang="ru-RU" dirty="0"/>
-              <a:t> уровня на карте</a:t>
-            </a:r>
-          </a:p>
-          <a:p>
-            <a:pPr fontAlgn="base"/>
-            <a:r>
-              <a:rPr lang="ru-RU" dirty="0"/>
-              <a:t>«Проклятая земля»</a:t>
-            </a:r>
-          </a:p>
-          <a:p>
-            <a:pPr fontAlgn="base"/>
-            <a:r>
-              <a:rPr lang="ru-RU" dirty="0"/>
-              <a:t>Инвентарь</a:t>
-            </a:r>
-          </a:p>
-          <a:p>
-            <a:pPr fontAlgn="base"/>
-            <a:r>
-              <a:rPr lang="ru-RU" dirty="0"/>
-              <a:t>AI NPC</a:t>
-            </a:r>
-          </a:p>
-          <a:p>
-            <a:pPr fontAlgn="base"/>
-            <a:r>
-              <a:rPr lang="ru-RU" dirty="0"/>
-              <a:t>Различные враги</a:t>
-            </a:r>
-          </a:p>
-          <a:p>
-            <a:pPr fontAlgn="base"/>
-            <a:r>
-              <a:rPr lang="ru-RU" dirty="0"/>
-              <a:t>Система навыков персонажа с использованием </a:t>
+              <a:t>Полный функционал модели </a:t>
             </a:r>
             <a:r>
               <a:rPr lang="ru-RU" dirty="0" err="1"/>
               <a:t>GoL</a:t>
             </a:r>
-            <a:endParaRPr lang="ru-RU" dirty="0"/>
+            <a:r>
+              <a:rPr lang="ru-RU" dirty="0"/>
+              <a:t> с правилами, задаваемыми в качестве параметров</a:t>
+            </a:r>
+          </a:p>
+          <a:p>
+            <a:pPr fontAlgn="base"/>
+            <a:r>
+              <a:rPr lang="ru-RU" dirty="0"/>
+              <a:t>Хранение и вставка паттернов</a:t>
+            </a:r>
+          </a:p>
+          <a:p>
+            <a:pPr marL="0" indent="0">
+              <a:buNone/>
+            </a:pPr>
+            <a:r>
+              <a:rPr lang="ru-RU" dirty="0"/>
+              <a:t>Планируется:</a:t>
+            </a:r>
+          </a:p>
+          <a:p>
+            <a:pPr fontAlgn="base"/>
+            <a:r>
+              <a:rPr lang="ru-RU" dirty="0"/>
+              <a:t>Классификация и структурированное хранение паттернов, их анализ и комбинация</a:t>
+            </a:r>
+          </a:p>
+          <a:p>
+            <a:pPr fontAlgn="base"/>
+            <a:r>
+              <a:rPr lang="ru-RU" dirty="0"/>
+              <a:t>Автоматический поиск паттернов и практичных начальных конфигураций </a:t>
+            </a:r>
+            <a:r>
+              <a:rPr lang="ru-RU" dirty="0" err="1"/>
+              <a:t>GoL</a:t>
+            </a:r>
+            <a:r>
+              <a:rPr lang="ru-RU" dirty="0"/>
+              <a:t> для полученных на первом этапе генерации ландшафтов</a:t>
+            </a:r>
+          </a:p>
+          <a:p>
+            <a:pPr fontAlgn="base"/>
+            <a:r>
+              <a:rPr lang="ru-RU" dirty="0"/>
+              <a:t>Автоматический анализ разрешимости уровня</a:t>
+            </a:r>
           </a:p>
           <a:p>
             <a:endParaRPr lang="ru-RU" dirty="0"/>
@@ -3857,7 +3796,7 @@
     </p:spTree>
     <p:extLst>
       <p:ext uri="{BB962C8B-B14F-4D97-AF65-F5344CB8AC3E}">
-        <p14:creationId xmlns:p14="http://schemas.microsoft.com/office/powerpoint/2010/main" val="3001559054"/>
+        <p14:creationId xmlns:p14="http://schemas.microsoft.com/office/powerpoint/2010/main" val="3490534851"/>
       </p:ext>
     </p:extLst>
   </p:cSld>
@@ -3889,7 +3828,7 @@
           <p:cNvPr id="2" name="Заголовок 1">
             <a:extLst>
               <a:ext uri="{FF2B5EF4-FFF2-40B4-BE49-F238E27FC236}">
-                <a16:creationId xmlns:a16="http://schemas.microsoft.com/office/drawing/2014/main" id="{F46CA4C2-D705-4253-AB77-C2FAE0790AAF}"/>
+                <a16:creationId xmlns:a16="http://schemas.microsoft.com/office/drawing/2014/main" id="{F5BA06FC-CA37-422B-AC86-DD1ADD750802}"/>
               </a:ext>
             </a:extLst>
           </p:cNvPr>
@@ -3907,7 +3846,7 @@
           <a:p>
             <a:r>
               <a:rPr lang="ru-RU" dirty="0"/>
-              <a:t>Сражения</a:t>
+              <a:t>Действия игрового персонажа на уровне</a:t>
             </a:r>
           </a:p>
         </p:txBody>
@@ -3917,7 +3856,7 @@
           <p:cNvPr id="3" name="Объект 2">
             <a:extLst>
               <a:ext uri="{FF2B5EF4-FFF2-40B4-BE49-F238E27FC236}">
-                <a16:creationId xmlns:a16="http://schemas.microsoft.com/office/drawing/2014/main" id="{04A3D2C7-3C21-4C35-8C13-E3CAC01A4E72}"/>
+                <a16:creationId xmlns:a16="http://schemas.microsoft.com/office/drawing/2014/main" id="{EDF6BF5D-96DC-4BDC-AEEC-7F0D52A55FE3}"/>
               </a:ext>
             </a:extLst>
           </p:cNvPr>
@@ -3930,7 +3869,9 @@
         </p:nvSpPr>
         <p:spPr/>
         <p:txBody>
-          <a:bodyPr/>
+          <a:bodyPr>
+            <a:normAutofit fontScale="85000" lnSpcReduction="20000"/>
+          </a:bodyPr>
           <a:lstStyle/>
           <a:p>
             <a:pPr marL="0" indent="0">
@@ -3945,7 +3886,21 @@
             <a:pPr fontAlgn="base"/>
             <a:r>
               <a:rPr lang="ru-RU" dirty="0"/>
-              <a:t>Написан концепт</a:t>
+              <a:t>Система пошаговой игры</a:t>
+            </a:r>
+          </a:p>
+          <a:p>
+            <a:pPr fontAlgn="base"/>
+            <a:r>
+              <a:rPr lang="ru-RU" dirty="0"/>
+              <a:t>Передвижение по полю</a:t>
+            </a:r>
+          </a:p>
+          <a:p>
+            <a:pPr fontAlgn="base"/>
+            <a:r>
+              <a:rPr lang="ru-RU" dirty="0"/>
+              <a:t>Подбираемые предметы</a:t>
             </a:r>
           </a:p>
           <a:p>
@@ -3961,8 +3916,56 @@
             <a:pPr fontAlgn="base"/>
             <a:r>
               <a:rPr lang="ru-RU" dirty="0"/>
-              <a:t>Доработка и реализация концепта</a:t>
-            </a:r>
+              <a:t>Расстановка предметов и </a:t>
+            </a:r>
+            <a:r>
+              <a:rPr lang="ru-RU" dirty="0" err="1"/>
+              <a:t>тайлов</a:t>
+            </a:r>
+            <a:r>
+              <a:rPr lang="ru-RU" dirty="0"/>
+              <a:t> уровня на карте</a:t>
+            </a:r>
+          </a:p>
+          <a:p>
+            <a:pPr fontAlgn="base"/>
+            <a:r>
+              <a:rPr lang="ru-RU" dirty="0"/>
+              <a:t>«Проклятая земля»</a:t>
+            </a:r>
+          </a:p>
+          <a:p>
+            <a:pPr fontAlgn="base"/>
+            <a:r>
+              <a:rPr lang="ru-RU" dirty="0"/>
+              <a:t>Инвентарь</a:t>
+            </a:r>
+          </a:p>
+          <a:p>
+            <a:pPr fontAlgn="base"/>
+            <a:r>
+              <a:rPr lang="ru-RU" dirty="0"/>
+              <a:t>AI NPC</a:t>
+            </a:r>
+          </a:p>
+          <a:p>
+            <a:pPr fontAlgn="base"/>
+            <a:r>
+              <a:rPr lang="ru-RU" dirty="0"/>
+              <a:t>Различные враги</a:t>
+            </a:r>
+          </a:p>
+          <a:p>
+            <a:pPr fontAlgn="base"/>
+            <a:r>
+              <a:rPr lang="ru-RU" dirty="0"/>
+              <a:t>Система навыков персонажа с использованием </a:t>
+            </a:r>
+            <a:r>
+              <a:rPr lang="ru-RU" dirty="0" err="1"/>
+              <a:t>GoL</a:t>
+            </a:r>
+            <a:endParaRPr lang="ru-RU" dirty="0"/>
           </a:p>
           <a:p>
             <a:endParaRPr lang="ru-RU" dirty="0"/>
@@ -3972,7 +3975,7 @@
     </p:spTree>
     <p:extLst>
       <p:ext uri="{BB962C8B-B14F-4D97-AF65-F5344CB8AC3E}">
-        <p14:creationId xmlns:p14="http://schemas.microsoft.com/office/powerpoint/2010/main" val="137759405"/>
+        <p14:creationId xmlns:p14="http://schemas.microsoft.com/office/powerpoint/2010/main" val="3001559054"/>
       </p:ext>
     </p:extLst>
   </p:cSld>
@@ -4063,6 +4066,650 @@
     <p:extLst>
       <p:ext uri="{BB962C8B-B14F-4D97-AF65-F5344CB8AC3E}">
         <p14:creationId xmlns:p14="http://schemas.microsoft.com/office/powerpoint/2010/main" val="1316742167"/>
+      </p:ext>
+    </p:extLst>
+  </p:cSld>
+  <p:clrMapOvr>
+    <a:masterClrMapping/>
+  </p:clrMapOvr>
+</p:sld>
+</file>
+
+<file path=ppt/slides/slide15.xml><?xml version="1.0" encoding="utf-8"?>
+<p:sld xmlns:a="http://schemas.openxmlformats.org/drawingml/2006/main" xmlns:r="http://schemas.openxmlformats.org/officeDocument/2006/relationships" xmlns:p="http://schemas.openxmlformats.org/presentationml/2006/main">
+  <p:cSld>
+    <p:spTree>
+      <p:nvGrpSpPr>
+        <p:cNvPr id="1" name=""/>
+        <p:cNvGrpSpPr/>
+        <p:nvPr/>
+      </p:nvGrpSpPr>
+      <p:grpSpPr>
+        <a:xfrm>
+          <a:off x="0" y="0"/>
+          <a:ext cx="0" cy="0"/>
+          <a:chOff x="0" y="0"/>
+          <a:chExt cx="0" cy="0"/>
+        </a:xfrm>
+      </p:grpSpPr>
+      <p:sp>
+        <p:nvSpPr>
+          <p:cNvPr id="2" name="Заголовок 1">
+            <a:extLst>
+              <a:ext uri="{FF2B5EF4-FFF2-40B4-BE49-F238E27FC236}">
+                <a16:creationId xmlns:a16="http://schemas.microsoft.com/office/drawing/2014/main" id="{CB2689D0-2879-4B9A-9181-BCE1B2B9D028}"/>
+              </a:ext>
+            </a:extLst>
+          </p:cNvPr>
+          <p:cNvSpPr>
+            <a:spLocks noGrp="1"/>
+          </p:cNvSpPr>
+          <p:nvPr>
+            <p:ph type="title"/>
+          </p:nvPr>
+        </p:nvSpPr>
+        <p:spPr/>
+        <p:txBody>
+          <a:bodyPr/>
+          <a:lstStyle/>
+          <a:p>
+            <a:r>
+              <a:rPr lang="ru-RU" dirty="0"/>
+              <a:t>Результат</a:t>
+            </a:r>
+          </a:p>
+        </p:txBody>
+      </p:sp>
+      <p:pic>
+        <p:nvPicPr>
+          <p:cNvPr id="1026" name="Picture 2">
+            <a:extLst>
+              <a:ext uri="{FF2B5EF4-FFF2-40B4-BE49-F238E27FC236}">
+                <a16:creationId xmlns:a16="http://schemas.microsoft.com/office/drawing/2014/main" id="{D8A9ACBA-F36A-40C7-A5AE-E448AD6352E5}"/>
+              </a:ext>
+            </a:extLst>
+          </p:cNvPr>
+          <p:cNvPicPr>
+            <a:picLocks noGrp="1" noChangeAspect="1" noChangeArrowheads="1"/>
+          </p:cNvPicPr>
+          <p:nvPr>
+            <p:ph idx="1"/>
+          </p:nvPr>
+        </p:nvPicPr>
+        <p:blipFill>
+          <a:blip r:embed="rId2">
+            <a:extLst>
+              <a:ext uri="{BEBA8EAE-BF5A-486C-A8C5-ECC9F3942E4B}">
+                <a14:imgProps xmlns:a14="http://schemas.microsoft.com/office/drawing/2010/main">
+                  <a14:imgLayer r:embed="rId3">
+                    <a14:imgEffect>
+                      <a14:brightnessContrast bright="40000" contrast="-40000"/>
+                    </a14:imgEffect>
+                  </a14:imgLayer>
+                </a14:imgProps>
+              </a:ext>
+              <a:ext uri="{28A0092B-C50C-407E-A947-70E740481C1C}">
+                <a14:useLocalDpi xmlns:a14="http://schemas.microsoft.com/office/drawing/2010/main" val="0"/>
+              </a:ext>
+            </a:extLst>
+          </a:blip>
+          <a:srcRect/>
+          <a:stretch>
+            <a:fillRect/>
+          </a:stretch>
+        </p:blipFill>
+        <p:spPr bwMode="auto">
+          <a:xfrm>
+            <a:off x="1781735" y="1417626"/>
+            <a:ext cx="8628529" cy="5075249"/>
+          </a:xfrm>
+          <a:prstGeom prst="rect">
+            <a:avLst/>
+          </a:prstGeom>
+          <a:noFill/>
+          <a:extLst>
+            <a:ext uri="{909E8E84-426E-40DD-AFC4-6F175D3DCCD1}">
+              <a14:hiddenFill xmlns:a14="http://schemas.microsoft.com/office/drawing/2010/main">
+                <a:solidFill>
+                  <a:srgbClr val="FFFFFF"/>
+                </a:solidFill>
+              </a14:hiddenFill>
+            </a:ext>
+          </a:extLst>
+        </p:spPr>
+      </p:pic>
+    </p:spTree>
+    <p:extLst>
+      <p:ext uri="{BB962C8B-B14F-4D97-AF65-F5344CB8AC3E}">
+        <p14:creationId xmlns:p14="http://schemas.microsoft.com/office/powerpoint/2010/main" val="2962686748"/>
+      </p:ext>
+    </p:extLst>
+  </p:cSld>
+  <p:clrMapOvr>
+    <a:masterClrMapping/>
+  </p:clrMapOvr>
+</p:sld>
+</file>
+
+<file path=ppt/slides/slide16.xml><?xml version="1.0" encoding="utf-8"?>
+<p:sld xmlns:a="http://schemas.openxmlformats.org/drawingml/2006/main" xmlns:r="http://schemas.openxmlformats.org/officeDocument/2006/relationships" xmlns:p="http://schemas.openxmlformats.org/presentationml/2006/main">
+  <p:cSld>
+    <p:spTree>
+      <p:nvGrpSpPr>
+        <p:cNvPr id="1" name=""/>
+        <p:cNvGrpSpPr/>
+        <p:nvPr/>
+      </p:nvGrpSpPr>
+      <p:grpSpPr>
+        <a:xfrm>
+          <a:off x="0" y="0"/>
+          <a:ext cx="0" cy="0"/>
+          <a:chOff x="0" y="0"/>
+          <a:chExt cx="0" cy="0"/>
+        </a:xfrm>
+      </p:grpSpPr>
+      <p:sp>
+        <p:nvSpPr>
+          <p:cNvPr id="2" name="Заголовок 1">
+            <a:extLst>
+              <a:ext uri="{FF2B5EF4-FFF2-40B4-BE49-F238E27FC236}">
+                <a16:creationId xmlns:a16="http://schemas.microsoft.com/office/drawing/2014/main" id="{AF6CEA9C-3D95-4AC1-B213-4069F860BE2F}"/>
+              </a:ext>
+            </a:extLst>
+          </p:cNvPr>
+          <p:cNvSpPr>
+            <a:spLocks noGrp="1"/>
+          </p:cNvSpPr>
+          <p:nvPr>
+            <p:ph type="title"/>
+          </p:nvPr>
+        </p:nvSpPr>
+        <p:spPr/>
+        <p:txBody>
+          <a:bodyPr/>
+          <a:lstStyle/>
+          <a:p>
+            <a:r>
+              <a:rPr lang="ru-RU" dirty="0"/>
+              <a:t>Планы</a:t>
+            </a:r>
+          </a:p>
+        </p:txBody>
+      </p:sp>
+      <p:pic>
+        <p:nvPicPr>
+          <p:cNvPr id="4" name="Объект 3">
+            <a:extLst>
+              <a:ext uri="{FF2B5EF4-FFF2-40B4-BE49-F238E27FC236}">
+                <a16:creationId xmlns:a16="http://schemas.microsoft.com/office/drawing/2014/main" id="{92B2D996-0CAF-44BD-8CDD-75CD74107F80}"/>
+              </a:ext>
+            </a:extLst>
+          </p:cNvPr>
+          <p:cNvPicPr>
+            <a:picLocks noGrp="1" noChangeAspect="1"/>
+          </p:cNvPicPr>
+          <p:nvPr>
+            <p:ph idx="1"/>
+          </p:nvPr>
+        </p:nvPicPr>
+        <p:blipFill>
+          <a:blip r:embed="rId2"/>
+          <a:stretch>
+            <a:fillRect/>
+          </a:stretch>
+        </p:blipFill>
+        <p:spPr>
+          <a:xfrm>
+            <a:off x="1505452" y="1825625"/>
+            <a:ext cx="9181095" cy="4351338"/>
+          </a:xfrm>
+          <a:prstGeom prst="rect">
+            <a:avLst/>
+          </a:prstGeom>
+        </p:spPr>
+      </p:pic>
+    </p:spTree>
+    <p:extLst>
+      <p:ext uri="{BB962C8B-B14F-4D97-AF65-F5344CB8AC3E}">
+        <p14:creationId xmlns:p14="http://schemas.microsoft.com/office/powerpoint/2010/main" val="3784331260"/>
+      </p:ext>
+    </p:extLst>
+  </p:cSld>
+  <p:clrMapOvr>
+    <a:masterClrMapping/>
+  </p:clrMapOvr>
+</p:sld>
+</file>
+
+<file path=ppt/slides/slide17.xml><?xml version="1.0" encoding="utf-8"?>
+<p:sld xmlns:a="http://schemas.openxmlformats.org/drawingml/2006/main" xmlns:r="http://schemas.openxmlformats.org/officeDocument/2006/relationships" xmlns:p="http://schemas.openxmlformats.org/presentationml/2006/main">
+  <p:cSld>
+    <p:spTree>
+      <p:nvGrpSpPr>
+        <p:cNvPr id="1" name=""/>
+        <p:cNvGrpSpPr/>
+        <p:nvPr/>
+      </p:nvGrpSpPr>
+      <p:grpSpPr>
+        <a:xfrm>
+          <a:off x="0" y="0"/>
+          <a:ext cx="0" cy="0"/>
+          <a:chOff x="0" y="0"/>
+          <a:chExt cx="0" cy="0"/>
+        </a:xfrm>
+      </p:grpSpPr>
+      <p:sp>
+        <p:nvSpPr>
+          <p:cNvPr id="2" name="Заголовок 1">
+            <a:extLst>
+              <a:ext uri="{FF2B5EF4-FFF2-40B4-BE49-F238E27FC236}">
+                <a16:creationId xmlns:a16="http://schemas.microsoft.com/office/drawing/2014/main" id="{3716B8D1-6E60-4EB3-8980-DB7649FB21F2}"/>
+              </a:ext>
+            </a:extLst>
+          </p:cNvPr>
+          <p:cNvSpPr>
+            <a:spLocks noGrp="1"/>
+          </p:cNvSpPr>
+          <p:nvPr>
+            <p:ph type="title"/>
+          </p:nvPr>
+        </p:nvSpPr>
+        <p:spPr/>
+        <p:txBody>
+          <a:bodyPr/>
+          <a:lstStyle/>
+          <a:p>
+            <a:r>
+              <a:rPr lang="ru-RU" dirty="0"/>
+              <a:t>Роли</a:t>
+            </a:r>
+          </a:p>
+        </p:txBody>
+      </p:sp>
+      <p:graphicFrame>
+        <p:nvGraphicFramePr>
+          <p:cNvPr id="4" name="Таблица 4">
+            <a:extLst>
+              <a:ext uri="{FF2B5EF4-FFF2-40B4-BE49-F238E27FC236}">
+                <a16:creationId xmlns:a16="http://schemas.microsoft.com/office/drawing/2014/main" id="{5ACD80D2-8CB6-414B-A6AE-BA123F0F1FFD}"/>
+              </a:ext>
+            </a:extLst>
+          </p:cNvPr>
+          <p:cNvGraphicFramePr>
+            <a:graphicFrameLocks noGrp="1"/>
+          </p:cNvGraphicFramePr>
+          <p:nvPr>
+            <p:ph idx="1"/>
+            <p:extLst>
+              <p:ext uri="{D42A27DB-BD31-4B8C-83A1-F6EECF244321}">
+                <p14:modId xmlns:p14="http://schemas.microsoft.com/office/powerpoint/2010/main" val="53838575"/>
+              </p:ext>
+            </p:extLst>
+          </p:nvPr>
+        </p:nvGraphicFramePr>
+        <p:xfrm>
+          <a:off x="838200" y="1825624"/>
+          <a:ext cx="10515597" cy="3804484"/>
+        </p:xfrm>
+        <a:graphic>
+          <a:graphicData uri="http://schemas.openxmlformats.org/drawingml/2006/table">
+            <a:tbl>
+              <a:tblPr firstRow="1" bandRow="1">
+                <a:tableStyleId>{5C22544A-7EE6-4342-B048-85BDC9FD1C3A}</a:tableStyleId>
+              </a:tblPr>
+              <a:tblGrid>
+                <a:gridCol w="3505199">
+                  <a:extLst>
+                    <a:ext uri="{9D8B030D-6E8A-4147-A177-3AD203B41FA5}">
+                      <a16:colId xmlns:a16="http://schemas.microsoft.com/office/drawing/2014/main" val="492951634"/>
+                    </a:ext>
+                  </a:extLst>
+                </a:gridCol>
+                <a:gridCol w="3505199">
+                  <a:extLst>
+                    <a:ext uri="{9D8B030D-6E8A-4147-A177-3AD203B41FA5}">
+                      <a16:colId xmlns:a16="http://schemas.microsoft.com/office/drawing/2014/main" val="1862049091"/>
+                    </a:ext>
+                  </a:extLst>
+                </a:gridCol>
+                <a:gridCol w="3505199">
+                  <a:extLst>
+                    <a:ext uri="{9D8B030D-6E8A-4147-A177-3AD203B41FA5}">
+                      <a16:colId xmlns:a16="http://schemas.microsoft.com/office/drawing/2014/main" val="1320655710"/>
+                    </a:ext>
+                  </a:extLst>
+                </a:gridCol>
+              </a:tblGrid>
+              <a:tr h="622082">
+                <a:tc>
+                  <a:txBody>
+                    <a:bodyPr/>
+                    <a:lstStyle/>
+                    <a:p>
+                      <a:r>
+                        <a:rPr lang="ru-RU" dirty="0"/>
+                        <a:t>Участник</a:t>
+                      </a:r>
+                    </a:p>
+                  </a:txBody>
+                  <a:tcPr/>
+                </a:tc>
+                <a:tc>
+                  <a:txBody>
+                    <a:bodyPr/>
+                    <a:lstStyle/>
+                    <a:p>
+                      <a:r>
+                        <a:rPr lang="ru-RU" dirty="0"/>
+                        <a:t>Роль</a:t>
+                      </a:r>
+                    </a:p>
+                  </a:txBody>
+                  <a:tcPr/>
+                </a:tc>
+                <a:tc>
+                  <a:txBody>
+                    <a:bodyPr/>
+                    <a:lstStyle/>
+                    <a:p>
+                      <a:r>
+                        <a:rPr lang="ru-RU" dirty="0"/>
+                        <a:t>Задачи</a:t>
+                      </a:r>
+                    </a:p>
+                  </a:txBody>
+                  <a:tcPr/>
+                </a:tc>
+                <a:extLst>
+                  <a:ext uri="{0D108BD9-81ED-4DB2-BD59-A6C34878D82A}">
+                    <a16:rowId xmlns:a16="http://schemas.microsoft.com/office/drawing/2014/main" val="4123396448"/>
+                  </a:ext>
+                </a:extLst>
+              </a:tr>
+              <a:tr h="622082">
+                <a:tc>
+                  <a:txBody>
+                    <a:bodyPr/>
+                    <a:lstStyle/>
+                    <a:p>
+                      <a:r>
+                        <a:rPr lang="ru-RU" dirty="0"/>
+                        <a:t>Мельников Дмитрий</a:t>
+                      </a:r>
+                    </a:p>
+                  </a:txBody>
+                  <a:tcPr/>
+                </a:tc>
+                <a:tc>
+                  <a:txBody>
+                    <a:bodyPr/>
+                    <a:lstStyle/>
+                    <a:p>
+                      <a:r>
+                        <a:rPr lang="en-US" dirty="0"/>
+                        <a:t>Team Lead, UE-developer</a:t>
+                      </a:r>
+                      <a:endParaRPr lang="ru-RU" dirty="0"/>
+                    </a:p>
+                  </a:txBody>
+                  <a:tcPr/>
+                </a:tc>
+                <a:tc>
+                  <a:txBody>
+                    <a:bodyPr/>
+                    <a:lstStyle/>
+                    <a:p>
+                      <a:r>
+                        <a:rPr lang="ru-RU" dirty="0"/>
+                        <a:t>Интерфейс редактора, </a:t>
+                      </a:r>
+                    </a:p>
+                    <a:p>
+                      <a:r>
+                        <a:rPr lang="ru-RU" dirty="0"/>
+                        <a:t>Механика сражений</a:t>
+                      </a:r>
+                    </a:p>
+                  </a:txBody>
+                  <a:tcPr/>
+                </a:tc>
+                <a:extLst>
+                  <a:ext uri="{0D108BD9-81ED-4DB2-BD59-A6C34878D82A}">
+                    <a16:rowId xmlns:a16="http://schemas.microsoft.com/office/drawing/2014/main" val="1558515180"/>
+                  </a:ext>
+                </a:extLst>
+              </a:tr>
+              <a:tr h="622082">
+                <a:tc>
+                  <a:txBody>
+                    <a:bodyPr/>
+                    <a:lstStyle/>
+                    <a:p>
+                      <a:r>
+                        <a:rPr lang="ru-RU" dirty="0" err="1"/>
+                        <a:t>Теппоев</a:t>
+                      </a:r>
+                      <a:r>
+                        <a:rPr lang="ru-RU" dirty="0"/>
+                        <a:t> Дмитрий</a:t>
+                      </a:r>
+                    </a:p>
+                  </a:txBody>
+                  <a:tcPr/>
+                </a:tc>
+                <a:tc>
+                  <a:txBody>
+                    <a:bodyPr/>
+                    <a:lstStyle/>
+                    <a:p>
+                      <a:r>
+                        <a:rPr lang="en-US" dirty="0"/>
+                        <a:t>Game Designer, UE-developer</a:t>
+                      </a:r>
+                      <a:endParaRPr lang="ru-RU" dirty="0"/>
+                    </a:p>
+                  </a:txBody>
+                  <a:tcPr/>
+                </a:tc>
+                <a:tc>
+                  <a:txBody>
+                    <a:bodyPr/>
+                    <a:lstStyle/>
+                    <a:p>
+                      <a:r>
+                        <a:rPr lang="ru-RU" dirty="0"/>
+                        <a:t>Управление, Механика </a:t>
+                      </a:r>
+                      <a:r>
+                        <a:rPr lang="en-US" dirty="0" err="1"/>
+                        <a:t>GoL</a:t>
+                      </a:r>
+                      <a:r>
+                        <a:rPr lang="ru-RU" dirty="0"/>
+                        <a:t>, рефакторинг</a:t>
+                      </a:r>
+                    </a:p>
+                  </a:txBody>
+                  <a:tcPr/>
+                </a:tc>
+                <a:extLst>
+                  <a:ext uri="{0D108BD9-81ED-4DB2-BD59-A6C34878D82A}">
+                    <a16:rowId xmlns:a16="http://schemas.microsoft.com/office/drawing/2014/main" val="1084177898"/>
+                  </a:ext>
+                </a:extLst>
+              </a:tr>
+              <a:tr h="622082">
+                <a:tc>
+                  <a:txBody>
+                    <a:bodyPr/>
+                    <a:lstStyle/>
+                    <a:p>
+                      <a:r>
+                        <a:rPr lang="ru-RU" dirty="0" err="1"/>
+                        <a:t>Спирякова</a:t>
+                      </a:r>
+                      <a:r>
+                        <a:rPr lang="ru-RU" dirty="0"/>
+                        <a:t> Юлия</a:t>
+                      </a:r>
+                    </a:p>
+                  </a:txBody>
+                  <a:tcPr/>
+                </a:tc>
+                <a:tc>
+                  <a:txBody>
+                    <a:bodyPr/>
+                    <a:lstStyle/>
+                    <a:p>
+                      <a:r>
+                        <a:rPr lang="en-US" dirty="0"/>
+                        <a:t>UE-developer</a:t>
+                      </a:r>
+                      <a:endParaRPr lang="ru-RU" dirty="0"/>
+                    </a:p>
+                  </a:txBody>
+                  <a:tcPr/>
+                </a:tc>
+                <a:tc>
+                  <a:txBody>
+                    <a:bodyPr/>
+                    <a:lstStyle/>
+                    <a:p>
+                      <a:r>
+                        <a:rPr lang="ru-RU" dirty="0"/>
+                        <a:t>Механика сражений</a:t>
+                      </a:r>
+                    </a:p>
+                  </a:txBody>
+                  <a:tcPr/>
+                </a:tc>
+                <a:extLst>
+                  <a:ext uri="{0D108BD9-81ED-4DB2-BD59-A6C34878D82A}">
+                    <a16:rowId xmlns:a16="http://schemas.microsoft.com/office/drawing/2014/main" val="2142490608"/>
+                  </a:ext>
+                </a:extLst>
+              </a:tr>
+              <a:tr h="622082">
+                <a:tc>
+                  <a:txBody>
+                    <a:bodyPr/>
+                    <a:lstStyle/>
+                    <a:p>
+                      <a:r>
+                        <a:rPr lang="ru-RU" dirty="0" err="1"/>
+                        <a:t>Макоев</a:t>
+                      </a:r>
+                      <a:r>
+                        <a:rPr lang="ru-RU" dirty="0"/>
+                        <a:t> Артур</a:t>
+                      </a:r>
+                    </a:p>
+                  </a:txBody>
+                  <a:tcPr/>
+                </a:tc>
+                <a:tc>
+                  <a:txBody>
+                    <a:bodyPr/>
+                    <a:lstStyle/>
+                    <a:p>
+                      <a:r>
+                        <a:rPr lang="en-US" dirty="0"/>
+                        <a:t>UE-developer</a:t>
+                      </a:r>
+                      <a:endParaRPr lang="ru-RU" dirty="0"/>
+                    </a:p>
+                  </a:txBody>
+                  <a:tcPr/>
+                </a:tc>
+                <a:tc>
+                  <a:txBody>
+                    <a:bodyPr/>
+                    <a:lstStyle/>
+                    <a:p>
+                      <a:r>
+                        <a:rPr lang="ru-RU" dirty="0"/>
+                        <a:t>Интерфейс пользователя, Механика </a:t>
+                      </a:r>
+                      <a:r>
+                        <a:rPr lang="en-US" dirty="0" err="1"/>
+                        <a:t>GoL</a:t>
+                      </a:r>
+                      <a:endParaRPr lang="ru-RU" dirty="0"/>
+                    </a:p>
+                  </a:txBody>
+                  <a:tcPr/>
+                </a:tc>
+                <a:extLst>
+                  <a:ext uri="{0D108BD9-81ED-4DB2-BD59-A6C34878D82A}">
+                    <a16:rowId xmlns:a16="http://schemas.microsoft.com/office/drawing/2014/main" val="288165292"/>
+                  </a:ext>
+                </a:extLst>
+              </a:tr>
+              <a:tr h="622082">
+                <a:tc>
+                  <a:txBody>
+                    <a:bodyPr/>
+                    <a:lstStyle/>
+                    <a:p>
+                      <a:r>
+                        <a:rPr lang="ru-RU" dirty="0" err="1"/>
+                        <a:t>Олешкевич</a:t>
+                      </a:r>
+                      <a:r>
+                        <a:rPr lang="ru-RU" dirty="0"/>
+                        <a:t> Евгений</a:t>
+                      </a:r>
+                    </a:p>
+                  </a:txBody>
+                  <a:tcPr/>
+                </a:tc>
+                <a:tc>
+                  <a:txBody>
+                    <a:bodyPr/>
+                    <a:lstStyle/>
+                    <a:p>
+                      <a:r>
+                        <a:rPr lang="en-US" dirty="0"/>
+                        <a:t>C++ developer</a:t>
+                      </a:r>
+                      <a:endParaRPr lang="ru-RU" dirty="0"/>
+                    </a:p>
+                  </a:txBody>
+                  <a:tcPr/>
+                </a:tc>
+                <a:tc>
+                  <a:txBody>
+                    <a:bodyPr/>
+                    <a:lstStyle/>
+                    <a:p>
+                      <a:r>
+                        <a:rPr lang="ru-RU" dirty="0"/>
+                        <a:t>Алгоритмы, </a:t>
+                      </a:r>
+                    </a:p>
+                    <a:p>
+                      <a:r>
+                        <a:rPr lang="ru-RU" dirty="0"/>
+                        <a:t>рефакторинг кода</a:t>
+                      </a:r>
+                    </a:p>
+                  </a:txBody>
+                  <a:tcPr/>
+                </a:tc>
+                <a:extLst>
+                  <a:ext uri="{0D108BD9-81ED-4DB2-BD59-A6C34878D82A}">
+                    <a16:rowId xmlns:a16="http://schemas.microsoft.com/office/drawing/2014/main" val="190869207"/>
+                  </a:ext>
+                </a:extLst>
+              </a:tr>
+            </a:tbl>
+          </a:graphicData>
+        </a:graphic>
+      </p:graphicFrame>
+    </p:spTree>
+    <p:extLst>
+      <p:ext uri="{BB962C8B-B14F-4D97-AF65-F5344CB8AC3E}">
+        <p14:creationId xmlns:p14="http://schemas.microsoft.com/office/powerpoint/2010/main" val="2596368463"/>
       </p:ext>
     </p:extLst>
   </p:cSld>
@@ -4899,6 +5546,121 @@
           <p:cNvPr id="2" name="Заголовок 1">
             <a:extLst>
               <a:ext uri="{FF2B5EF4-FFF2-40B4-BE49-F238E27FC236}">
+                <a16:creationId xmlns:a16="http://schemas.microsoft.com/office/drawing/2014/main" id="{38506F97-3C09-464A-A9E3-2F7B4F92CFA6}"/>
+              </a:ext>
+            </a:extLst>
+          </p:cNvPr>
+          <p:cNvSpPr>
+            <a:spLocks noGrp="1"/>
+          </p:cNvSpPr>
+          <p:nvPr>
+            <p:ph type="title"/>
+          </p:nvPr>
+        </p:nvSpPr>
+        <p:spPr/>
+        <p:txBody>
+          <a:bodyPr/>
+          <a:lstStyle/>
+          <a:p>
+            <a:r>
+              <a:rPr lang="ru-RU" dirty="0"/>
+              <a:t>Компоненты</a:t>
+            </a:r>
+          </a:p>
+        </p:txBody>
+      </p:sp>
+      <p:sp>
+        <p:nvSpPr>
+          <p:cNvPr id="3" name="Объект 2">
+            <a:extLst>
+              <a:ext uri="{FF2B5EF4-FFF2-40B4-BE49-F238E27FC236}">
+                <a16:creationId xmlns:a16="http://schemas.microsoft.com/office/drawing/2014/main" id="{9F4D865D-DCAE-4C8F-BDA2-E0F8FB449B88}"/>
+              </a:ext>
+            </a:extLst>
+          </p:cNvPr>
+          <p:cNvSpPr>
+            <a:spLocks noGrp="1"/>
+          </p:cNvSpPr>
+          <p:nvPr>
+            <p:ph idx="1"/>
+          </p:nvPr>
+        </p:nvSpPr>
+        <p:spPr/>
+        <p:txBody>
+          <a:bodyPr/>
+          <a:lstStyle/>
+          <a:p>
+            <a:r>
+              <a:rPr lang="ru-RU" dirty="0"/>
+              <a:t>Основа - процедурно-генерируемые уровни</a:t>
+            </a:r>
+          </a:p>
+          <a:p>
+            <a:r>
+              <a:rPr lang="en-US" dirty="0" err="1"/>
+              <a:t>GoL</a:t>
+            </a:r>
+            <a:r>
+              <a:rPr lang="en-US" dirty="0"/>
+              <a:t> - </a:t>
+            </a:r>
+            <a:r>
+              <a:rPr lang="ru-RU" dirty="0"/>
+              <a:t>Динамические препятствия</a:t>
+            </a:r>
+          </a:p>
+          <a:p>
+            <a:r>
+              <a:rPr lang="ru-RU" dirty="0"/>
+              <a:t>Действия игрового персонажа на уровне</a:t>
+            </a:r>
+          </a:p>
+          <a:p>
+            <a:r>
+              <a:rPr lang="ru-RU" dirty="0"/>
+              <a:t>Сражения</a:t>
+            </a:r>
+          </a:p>
+          <a:p>
+            <a:endParaRPr lang="ru-RU" dirty="0"/>
+          </a:p>
+        </p:txBody>
+      </p:sp>
+    </p:spTree>
+    <p:extLst>
+      <p:ext uri="{BB962C8B-B14F-4D97-AF65-F5344CB8AC3E}">
+        <p14:creationId xmlns:p14="http://schemas.microsoft.com/office/powerpoint/2010/main" val="3706491261"/>
+      </p:ext>
+    </p:extLst>
+  </p:cSld>
+  <p:clrMapOvr>
+    <a:masterClrMapping/>
+  </p:clrMapOvr>
+</p:sld>
+</file>
+
+<file path=ppt/slides/slide9.xml><?xml version="1.0" encoding="utf-8"?>
+<p:sld xmlns:a="http://schemas.openxmlformats.org/drawingml/2006/main" xmlns:r="http://schemas.openxmlformats.org/officeDocument/2006/relationships" xmlns:p="http://schemas.openxmlformats.org/presentationml/2006/main">
+  <p:cSld>
+    <p:spTree>
+      <p:nvGrpSpPr>
+        <p:cNvPr id="1" name=""/>
+        <p:cNvGrpSpPr/>
+        <p:nvPr/>
+      </p:nvGrpSpPr>
+      <p:grpSpPr>
+        <a:xfrm>
+          <a:off x="0" y="0"/>
+          <a:ext cx="0" cy="0"/>
+          <a:chOff x="0" y="0"/>
+          <a:chExt cx="0" cy="0"/>
+        </a:xfrm>
+      </p:grpSpPr>
+      <p:sp>
+        <p:nvSpPr>
+          <p:cNvPr id="2" name="Заголовок 1">
+            <a:extLst>
+              <a:ext uri="{FF2B5EF4-FFF2-40B4-BE49-F238E27FC236}">
                 <a16:creationId xmlns:a16="http://schemas.microsoft.com/office/drawing/2014/main" id="{19C10ADC-275B-47BF-95E5-1A46FC4D01BC}"/>
               </a:ext>
             </a:extLst>
@@ -4973,121 +5735,6 @@
     <p:extLst>
       <p:ext uri="{BB962C8B-B14F-4D97-AF65-F5344CB8AC3E}">
         <p14:creationId xmlns:p14="http://schemas.microsoft.com/office/powerpoint/2010/main" val="1239066892"/>
-      </p:ext>
-    </p:extLst>
-  </p:cSld>
-  <p:clrMapOvr>
-    <a:masterClrMapping/>
-  </p:clrMapOvr>
-</p:sld>
-</file>
-
-<file path=ppt/slides/slide9.xml><?xml version="1.0" encoding="utf-8"?>
-<p:sld xmlns:a="http://schemas.openxmlformats.org/drawingml/2006/main" xmlns:r="http://schemas.openxmlformats.org/officeDocument/2006/relationships" xmlns:p="http://schemas.openxmlformats.org/presentationml/2006/main">
-  <p:cSld>
-    <p:spTree>
-      <p:nvGrpSpPr>
-        <p:cNvPr id="1" name=""/>
-        <p:cNvGrpSpPr/>
-        <p:nvPr/>
-      </p:nvGrpSpPr>
-      <p:grpSpPr>
-        <a:xfrm>
-          <a:off x="0" y="0"/>
-          <a:ext cx="0" cy="0"/>
-          <a:chOff x="0" y="0"/>
-          <a:chExt cx="0" cy="0"/>
-        </a:xfrm>
-      </p:grpSpPr>
-      <p:sp>
-        <p:nvSpPr>
-          <p:cNvPr id="2" name="Заголовок 1">
-            <a:extLst>
-              <a:ext uri="{FF2B5EF4-FFF2-40B4-BE49-F238E27FC236}">
-                <a16:creationId xmlns:a16="http://schemas.microsoft.com/office/drawing/2014/main" id="{38506F97-3C09-464A-A9E3-2F7B4F92CFA6}"/>
-              </a:ext>
-            </a:extLst>
-          </p:cNvPr>
-          <p:cNvSpPr>
-            <a:spLocks noGrp="1"/>
-          </p:cNvSpPr>
-          <p:nvPr>
-            <p:ph type="title"/>
-          </p:nvPr>
-        </p:nvSpPr>
-        <p:spPr/>
-        <p:txBody>
-          <a:bodyPr/>
-          <a:lstStyle/>
-          <a:p>
-            <a:r>
-              <a:rPr lang="ru-RU" dirty="0"/>
-              <a:t>Компоненты</a:t>
-            </a:r>
-          </a:p>
-        </p:txBody>
-      </p:sp>
-      <p:sp>
-        <p:nvSpPr>
-          <p:cNvPr id="3" name="Объект 2">
-            <a:extLst>
-              <a:ext uri="{FF2B5EF4-FFF2-40B4-BE49-F238E27FC236}">
-                <a16:creationId xmlns:a16="http://schemas.microsoft.com/office/drawing/2014/main" id="{9F4D865D-DCAE-4C8F-BDA2-E0F8FB449B88}"/>
-              </a:ext>
-            </a:extLst>
-          </p:cNvPr>
-          <p:cNvSpPr>
-            <a:spLocks noGrp="1"/>
-          </p:cNvSpPr>
-          <p:nvPr>
-            <p:ph idx="1"/>
-          </p:nvPr>
-        </p:nvSpPr>
-        <p:spPr/>
-        <p:txBody>
-          <a:bodyPr/>
-          <a:lstStyle/>
-          <a:p>
-            <a:r>
-              <a:rPr lang="ru-RU" dirty="0"/>
-              <a:t>Основа - процедурно-генерируемые уровни</a:t>
-            </a:r>
-          </a:p>
-          <a:p>
-            <a:r>
-              <a:rPr lang="en-US" dirty="0" err="1"/>
-              <a:t>GoL</a:t>
-            </a:r>
-            <a:r>
-              <a:rPr lang="en-US" dirty="0"/>
-              <a:t> - </a:t>
-            </a:r>
-            <a:r>
-              <a:rPr lang="ru-RU" dirty="0"/>
-              <a:t>Динамические препятствия</a:t>
-            </a:r>
-          </a:p>
-          <a:p>
-            <a:r>
-              <a:rPr lang="ru-RU" dirty="0"/>
-              <a:t>Действия игрового персонажа на уровне</a:t>
-            </a:r>
-          </a:p>
-          <a:p>
-            <a:r>
-              <a:rPr lang="ru-RU" dirty="0"/>
-              <a:t>Сражения</a:t>
-            </a:r>
-          </a:p>
-          <a:p>
-            <a:endParaRPr lang="ru-RU" dirty="0"/>
-          </a:p>
-        </p:txBody>
-      </p:sp>
-    </p:spTree>
-    <p:extLst>
-      <p:ext uri="{BB962C8B-B14F-4D97-AF65-F5344CB8AC3E}">
-        <p14:creationId xmlns:p14="http://schemas.microsoft.com/office/powerpoint/2010/main" val="3706491261"/>
       </p:ext>
     </p:extLst>
   </p:cSld>
